--- a/2차발표 2014180049 김상수.pptx
+++ b/2차발표 2014180049 김상수.pptx
@@ -16,26 +16,26 @@
   <p:notesSz cx="6858000" cy="9144000"/>
   <p:embeddedFontLst>
     <p:embeddedFont>
+      <p:font typeface="HY견고딕" panose="02030600000101010101" pitchFamily="18" charset="-127"/>
+      <p:regular r:id="rId8"/>
+    </p:embeddedFont>
+    <p:embeddedFont>
       <p:font typeface="Trebuchet MS" panose="020B0603020202020204" pitchFamily="34" charset="0"/>
-      <p:regular r:id="rId8"/>
-      <p:bold r:id="rId9"/>
-      <p:italic r:id="rId10"/>
-      <p:boldItalic r:id="rId11"/>
+      <p:regular r:id="rId9"/>
+      <p:bold r:id="rId10"/>
+      <p:italic r:id="rId11"/>
+      <p:boldItalic r:id="rId12"/>
     </p:embeddedFont>
     <p:embeddedFont>
       <p:font typeface="Wingdings 2" panose="05020102010507070707" pitchFamily="18" charset="2"/>
-      <p:regular r:id="rId12"/>
+      <p:regular r:id="rId13"/>
     </p:embeddedFont>
     <p:embeddedFont>
       <p:font typeface="Calisto MT" panose="02040603050505030304" pitchFamily="18" charset="0"/>
-      <p:regular r:id="rId13"/>
-      <p:bold r:id="rId14"/>
-      <p:italic r:id="rId15"/>
-      <p:boldItalic r:id="rId16"/>
-    </p:embeddedFont>
-    <p:embeddedFont>
-      <p:font typeface="HY견고딕" panose="02030600000101010101" pitchFamily="18" charset="-127"/>
-      <p:regular r:id="rId17"/>
+      <p:regular r:id="rId14"/>
+      <p:bold r:id="rId15"/>
+      <p:italic r:id="rId16"/>
+      <p:boldItalic r:id="rId17"/>
     </p:embeddedFont>
   </p:embeddedFontLst>
   <p:defaultTextStyle>
@@ -139,6 +139,10 @@
     </p:ext>
   </p:extLst>
 </p:presentation>
+</file>
+
+<file path=ppt/revisionInfo.xml><?xml version="1.0" encoding="utf-8"?>
+<p1510:revInfo xmlns:a="http://schemas.openxmlformats.org/drawingml/2006/main" xmlns:r="http://schemas.openxmlformats.org/officeDocument/2006/relationships" xmlns:p1510="http://schemas.microsoft.com/office/powerpoint/2015/10/main"/>
 </file>
 
 <file path=ppt/slideLayouts/slideLayout1.xml><?xml version="1.0" encoding="utf-8"?>
@@ -7499,7 +7503,7 @@
             <p:ph idx="1"/>
             <p:extLst>
               <p:ext uri="{D42A27DB-BD31-4B8C-83A1-F6EECF244321}">
-                <p14:modId xmlns:p14="http://schemas.microsoft.com/office/powerpoint/2010/main" val="178676066"/>
+                <p14:modId xmlns:p14="http://schemas.microsoft.com/office/powerpoint/2010/main" val="1645628671"/>
               </p:ext>
             </p:extLst>
           </p:nvPr>
@@ -7855,7 +7859,23 @@
                             <a:schemeClr val="tx1"/>
                           </a:solidFill>
                         </a:rPr>
-                        <a:t>100%</a:t>
+                        <a:t>7</a:t>
+                      </a:r>
+                      <a:r>
+                        <a:rPr lang="en-US" altLang="ko-KR" sz="2000">
+                          <a:solidFill>
+                            <a:schemeClr val="tx1"/>
+                          </a:solidFill>
+                        </a:rPr>
+                        <a:t>0</a:t>
+                      </a:r>
+                      <a:r>
+                        <a:rPr lang="en-US" altLang="ko-KR" sz="2000" dirty="0">
+                          <a:solidFill>
+                            <a:schemeClr val="tx1"/>
+                          </a:solidFill>
+                        </a:rPr>
+                        <a:t>%</a:t>
                       </a:r>
                     </a:p>
                   </a:txBody>
@@ -7963,7 +7983,7 @@
                             <a:schemeClr val="tx1"/>
                           </a:solidFill>
                         </a:rPr>
-                        <a:t>80%</a:t>
+                        <a:t>70%</a:t>
                       </a:r>
                     </a:p>
                   </a:txBody>
@@ -8066,7 +8086,7 @@
                             <a:schemeClr val="tx1"/>
                           </a:solidFill>
                         </a:rPr>
-                        <a:t>70%</a:t>
+                        <a:t>60%</a:t>
                       </a:r>
                       <a:endParaRPr lang="ko-KR" altLang="en-US" sz="2000" dirty="0">
                         <a:solidFill>
@@ -8725,7 +8745,7 @@
             <p:ph idx="1"/>
             <p:extLst>
               <p:ext uri="{D42A27DB-BD31-4B8C-83A1-F6EECF244321}">
-                <p14:modId xmlns:p14="http://schemas.microsoft.com/office/powerpoint/2010/main" val="506316775"/>
+                <p14:modId xmlns:p14="http://schemas.microsoft.com/office/powerpoint/2010/main" val="2875716038"/>
               </p:ext>
             </p:extLst>
           </p:nvPr>
@@ -8855,6 +8875,68 @@
           </a:p>
         </p:txBody>
       </p:sp>
+      <p:sp>
+        <p:nvSpPr>
+          <p:cNvPr id="3" name="직사각형 2">
+            <a:extLst>
+              <a:ext uri="{FF2B5EF4-FFF2-40B4-BE49-F238E27FC236}">
+                <a16:creationId xmlns:a16="http://schemas.microsoft.com/office/drawing/2014/main" id="{2CD04586-EF37-4B73-8D28-2FCCDC5033C2}"/>
+              </a:ext>
+            </a:extLst>
+          </p:cNvPr>
+          <p:cNvSpPr/>
+          <p:nvPr/>
+        </p:nvSpPr>
+        <p:spPr>
+          <a:xfrm>
+            <a:off x="2303813" y="2588821"/>
+            <a:ext cx="8051470" cy="3420093"/>
+          </a:xfrm>
+          <a:prstGeom prst="rect">
+            <a:avLst/>
+          </a:prstGeom>
+          <a:blipFill dpi="0" rotWithShape="1">
+            <a:blip r:embed="rId2">
+              <a:extLst>
+                <a:ext uri="{28A0092B-C50C-407E-A947-70E740481C1C}">
+                  <a14:useLocalDpi xmlns:a14="http://schemas.microsoft.com/office/drawing/2010/main" val="0"/>
+                </a:ext>
+              </a:extLst>
+            </a:blip>
+            <a:srcRect/>
+            <a:stretch>
+              <a:fillRect/>
+            </a:stretch>
+          </a:blipFill>
+        </p:spPr>
+        <p:style>
+          <a:lnRef idx="2">
+            <a:schemeClr val="accent1">
+              <a:shade val="50000"/>
+            </a:schemeClr>
+          </a:lnRef>
+          <a:fillRef idx="1">
+            <a:schemeClr val="accent1"/>
+          </a:fillRef>
+          <a:effectRef idx="0">
+            <a:schemeClr val="accent1"/>
+          </a:effectRef>
+          <a:fontRef idx="minor">
+            <a:schemeClr val="lt1"/>
+          </a:fontRef>
+        </p:style>
+        <p:txBody>
+          <a:bodyPr rtlCol="0" anchor="ctr"/>
+          <a:lstStyle/>
+          <a:p>
+            <a:pPr algn="ctr"/>
+            <a:endParaRPr lang="ko-KR" altLang="en-US" sz="2400" b="1" dirty="0" err="1">
+              <a:latin typeface="HY견고딕" panose="02030600000101010101" pitchFamily="18" charset="-127"/>
+              <a:ea typeface="HY견고딕" panose="02030600000101010101" pitchFamily="18" charset="-127"/>
+            </a:endParaRPr>
+          </a:p>
+        </p:txBody>
+      </p:sp>
     </p:spTree>
     <p:extLst>
       <p:ext uri="{BB962C8B-B14F-4D97-AF65-F5344CB8AC3E}">
@@ -8947,7 +9029,11 @@
           </p:cNvGraphicFramePr>
           <p:nvPr>
             <p:ph idx="1"/>
-            <p:extLst/>
+            <p:extLst>
+              <p:ext uri="{D42A27DB-BD31-4B8C-83A1-F6EECF244321}">
+                <p14:modId xmlns:p14="http://schemas.microsoft.com/office/powerpoint/2010/main" val="3746927864"/>
+              </p:ext>
+            </p:extLst>
           </p:nvPr>
         </p:nvGraphicFramePr>
         <p:xfrm>
@@ -8995,6 +9081,68 @@
           </a:graphicData>
         </a:graphic>
       </p:graphicFrame>
+      <p:sp>
+        <p:nvSpPr>
+          <p:cNvPr id="3" name="직사각형 2">
+            <a:extLst>
+              <a:ext uri="{FF2B5EF4-FFF2-40B4-BE49-F238E27FC236}">
+                <a16:creationId xmlns:a16="http://schemas.microsoft.com/office/drawing/2014/main" id="{712DC130-53F7-4BA1-BE3E-20E8263070B3}"/>
+              </a:ext>
+            </a:extLst>
+          </p:cNvPr>
+          <p:cNvSpPr/>
+          <p:nvPr/>
+        </p:nvSpPr>
+        <p:spPr>
+          <a:xfrm>
+            <a:off x="2114026" y="1837189"/>
+            <a:ext cx="8053431" cy="3942826"/>
+          </a:xfrm>
+          <a:prstGeom prst="rect">
+            <a:avLst/>
+          </a:prstGeom>
+          <a:blipFill dpi="0" rotWithShape="1">
+            <a:blip r:embed="rId2">
+              <a:extLst>
+                <a:ext uri="{28A0092B-C50C-407E-A947-70E740481C1C}">
+                  <a14:useLocalDpi xmlns:a14="http://schemas.microsoft.com/office/drawing/2010/main" val="0"/>
+                </a:ext>
+              </a:extLst>
+            </a:blip>
+            <a:srcRect/>
+            <a:stretch>
+              <a:fillRect/>
+            </a:stretch>
+          </a:blipFill>
+        </p:spPr>
+        <p:style>
+          <a:lnRef idx="2">
+            <a:schemeClr val="accent1">
+              <a:shade val="50000"/>
+            </a:schemeClr>
+          </a:lnRef>
+          <a:fillRef idx="1">
+            <a:schemeClr val="accent1"/>
+          </a:fillRef>
+          <a:effectRef idx="0">
+            <a:schemeClr val="accent1"/>
+          </a:effectRef>
+          <a:fontRef idx="minor">
+            <a:schemeClr val="lt1"/>
+          </a:fontRef>
+        </p:style>
+        <p:txBody>
+          <a:bodyPr rtlCol="0" anchor="ctr"/>
+          <a:lstStyle/>
+          <a:p>
+            <a:pPr algn="ctr"/>
+            <a:endParaRPr lang="ko-KR" altLang="en-US" sz="2400" b="1" dirty="0" err="1">
+              <a:latin typeface="HY견고딕" panose="02030600000101010101" pitchFamily="18" charset="-127"/>
+              <a:ea typeface="HY견고딕" panose="02030600000101010101" pitchFamily="18" charset="-127"/>
+            </a:endParaRPr>
+          </a:p>
+        </p:txBody>
+      </p:sp>
     </p:spTree>
     <p:extLst>
       <p:ext uri="{BB962C8B-B14F-4D97-AF65-F5344CB8AC3E}">

--- a/2차발표 2014180049 김상수.pptx
+++ b/2차발표 2014180049 김상수.pptx
@@ -16,26 +16,26 @@
   <p:notesSz cx="6858000" cy="9144000"/>
   <p:embeddedFontLst>
     <p:embeddedFont>
-      <p:font typeface="HY견고딕" panose="02030600000101010101" pitchFamily="18" charset="-127"/>
+      <p:font typeface="Trebuchet MS" panose="020B0603020202020204" pitchFamily="34" charset="0"/>
       <p:regular r:id="rId8"/>
-    </p:embeddedFont>
-    <p:embeddedFont>
-      <p:font typeface="Trebuchet MS" panose="020B0603020202020204" pitchFamily="34" charset="0"/>
-      <p:regular r:id="rId9"/>
-      <p:bold r:id="rId10"/>
-      <p:italic r:id="rId11"/>
-      <p:boldItalic r:id="rId12"/>
+      <p:bold r:id="rId9"/>
+      <p:italic r:id="rId10"/>
+      <p:boldItalic r:id="rId11"/>
     </p:embeddedFont>
     <p:embeddedFont>
       <p:font typeface="Wingdings 2" panose="05020102010507070707" pitchFamily="18" charset="2"/>
-      <p:regular r:id="rId13"/>
+      <p:regular r:id="rId12"/>
     </p:embeddedFont>
     <p:embeddedFont>
       <p:font typeface="Calisto MT" panose="02040603050505030304" pitchFamily="18" charset="0"/>
-      <p:regular r:id="rId14"/>
-      <p:bold r:id="rId15"/>
-      <p:italic r:id="rId16"/>
-      <p:boldItalic r:id="rId17"/>
+      <p:regular r:id="rId13"/>
+      <p:bold r:id="rId14"/>
+      <p:italic r:id="rId15"/>
+      <p:boldItalic r:id="rId16"/>
+    </p:embeddedFont>
+    <p:embeddedFont>
+      <p:font typeface="HY견고딕" panose="02030600000101010101" pitchFamily="18" charset="-127"/>
+      <p:regular r:id="rId17"/>
     </p:embeddedFont>
   </p:embeddedFontLst>
   <p:defaultTextStyle>
@@ -330,7 +330,7 @@
           <a:p>
             <a:fld id="{A4DDD974-8E76-44BD-B4CC-BDD9F7CC3E8C}" type="datetimeFigureOut">
               <a:rPr lang="ko-KR" altLang="en-US" smtClean="0"/>
-              <a:t>2017-11-22</a:t>
+              <a:t>2017-11-23</a:t>
             </a:fld>
             <a:endParaRPr lang="ko-KR" altLang="en-US"/>
           </a:p>
@@ -628,7 +628,7 @@
           <a:p>
             <a:fld id="{A4DDD974-8E76-44BD-B4CC-BDD9F7CC3E8C}" type="datetimeFigureOut">
               <a:rPr lang="ko-KR" altLang="en-US" smtClean="0"/>
-              <a:t>2017-11-22</a:t>
+              <a:t>2017-11-23</a:t>
             </a:fld>
             <a:endParaRPr lang="ko-KR" altLang="en-US"/>
           </a:p>
@@ -820,7 +820,7 @@
           <a:p>
             <a:fld id="{A4DDD974-8E76-44BD-B4CC-BDD9F7CC3E8C}" type="datetimeFigureOut">
               <a:rPr lang="ko-KR" altLang="en-US" smtClean="0"/>
-              <a:t>2017-11-22</a:t>
+              <a:t>2017-11-23</a:t>
             </a:fld>
             <a:endParaRPr lang="ko-KR" altLang="en-US"/>
           </a:p>
@@ -1081,7 +1081,7 @@
           <a:p>
             <a:fld id="{A4DDD974-8E76-44BD-B4CC-BDD9F7CC3E8C}" type="datetimeFigureOut">
               <a:rPr lang="ko-KR" altLang="en-US" smtClean="0"/>
-              <a:t>2017-11-22</a:t>
+              <a:t>2017-11-23</a:t>
             </a:fld>
             <a:endParaRPr lang="ko-KR" altLang="en-US"/>
           </a:p>
@@ -1505,7 +1505,7 @@
           <a:p>
             <a:fld id="{A4DDD974-8E76-44BD-B4CC-BDD9F7CC3E8C}" type="datetimeFigureOut">
               <a:rPr lang="ko-KR" altLang="en-US" smtClean="0"/>
-              <a:t>2017-11-22</a:t>
+              <a:t>2017-11-23</a:t>
             </a:fld>
             <a:endParaRPr lang="ko-KR" altLang="en-US"/>
           </a:p>
@@ -2042,7 +2042,7 @@
           <a:p>
             <a:fld id="{A4DDD974-8E76-44BD-B4CC-BDD9F7CC3E8C}" type="datetimeFigureOut">
               <a:rPr lang="ko-KR" altLang="en-US" smtClean="0"/>
-              <a:t>2017-11-22</a:t>
+              <a:t>2017-11-23</a:t>
             </a:fld>
             <a:endParaRPr lang="ko-KR" altLang="en-US"/>
           </a:p>
@@ -2906,7 +2906,7 @@
           <a:p>
             <a:fld id="{A4DDD974-8E76-44BD-B4CC-BDD9F7CC3E8C}" type="datetimeFigureOut">
               <a:rPr lang="ko-KR" altLang="en-US" smtClean="0"/>
-              <a:t>2017-11-22</a:t>
+              <a:t>2017-11-23</a:t>
             </a:fld>
             <a:endParaRPr lang="ko-KR" altLang="en-US"/>
           </a:p>
@@ -3076,7 +3076,7 @@
           <a:p>
             <a:fld id="{A4DDD974-8E76-44BD-B4CC-BDD9F7CC3E8C}" type="datetimeFigureOut">
               <a:rPr lang="ko-KR" altLang="en-US" smtClean="0"/>
-              <a:t>2017-11-22</a:t>
+              <a:t>2017-11-23</a:t>
             </a:fld>
             <a:endParaRPr lang="ko-KR" altLang="en-US"/>
           </a:p>
@@ -3260,7 +3260,7 @@
           <a:p>
             <a:fld id="{A4DDD974-8E76-44BD-B4CC-BDD9F7CC3E8C}" type="datetimeFigureOut">
               <a:rPr lang="ko-KR" altLang="en-US" smtClean="0"/>
-              <a:t>2017-11-22</a:t>
+              <a:t>2017-11-23</a:t>
             </a:fld>
             <a:endParaRPr lang="ko-KR" altLang="en-US"/>
           </a:p>
@@ -3430,7 +3430,7 @@
           <a:p>
             <a:fld id="{A4DDD974-8E76-44BD-B4CC-BDD9F7CC3E8C}" type="datetimeFigureOut">
               <a:rPr lang="ko-KR" altLang="en-US" smtClean="0"/>
-              <a:t>2017-11-22</a:t>
+              <a:t>2017-11-23</a:t>
             </a:fld>
             <a:endParaRPr lang="ko-KR" altLang="en-US"/>
           </a:p>
@@ -3674,7 +3674,7 @@
           <a:p>
             <a:fld id="{A4DDD974-8E76-44BD-B4CC-BDD9F7CC3E8C}" type="datetimeFigureOut">
               <a:rPr lang="ko-KR" altLang="en-US" smtClean="0"/>
-              <a:t>2017-11-22</a:t>
+              <a:t>2017-11-23</a:t>
             </a:fld>
             <a:endParaRPr lang="ko-KR" altLang="en-US"/>
           </a:p>
@@ -3910,7 +3910,7 @@
           <a:p>
             <a:fld id="{A4DDD974-8E76-44BD-B4CC-BDD9F7CC3E8C}" type="datetimeFigureOut">
               <a:rPr lang="ko-KR" altLang="en-US" smtClean="0"/>
-              <a:t>2017-11-22</a:t>
+              <a:t>2017-11-23</a:t>
             </a:fld>
             <a:endParaRPr lang="ko-KR" altLang="en-US"/>
           </a:p>
@@ -4376,7 +4376,7 @@
           <a:p>
             <a:fld id="{A4DDD974-8E76-44BD-B4CC-BDD9F7CC3E8C}" type="datetimeFigureOut">
               <a:rPr lang="ko-KR" altLang="en-US" smtClean="0"/>
-              <a:t>2017-11-22</a:t>
+              <a:t>2017-11-23</a:t>
             </a:fld>
             <a:endParaRPr lang="ko-KR" altLang="en-US"/>
           </a:p>
@@ -4494,7 +4494,7 @@
           <a:p>
             <a:fld id="{A4DDD974-8E76-44BD-B4CC-BDD9F7CC3E8C}" type="datetimeFigureOut">
               <a:rPr lang="ko-KR" altLang="en-US" smtClean="0"/>
-              <a:t>2017-11-22</a:t>
+              <a:t>2017-11-23</a:t>
             </a:fld>
             <a:endParaRPr lang="ko-KR" altLang="en-US"/>
           </a:p>
@@ -4589,7 +4589,7 @@
           <a:p>
             <a:fld id="{A4DDD974-8E76-44BD-B4CC-BDD9F7CC3E8C}" type="datetimeFigureOut">
               <a:rPr lang="ko-KR" altLang="en-US" smtClean="0"/>
-              <a:t>2017-11-22</a:t>
+              <a:t>2017-11-23</a:t>
             </a:fld>
             <a:endParaRPr lang="ko-KR" altLang="en-US"/>
           </a:p>
@@ -4844,7 +4844,7 @@
           <a:p>
             <a:fld id="{A4DDD974-8E76-44BD-B4CC-BDD9F7CC3E8C}" type="datetimeFigureOut">
               <a:rPr lang="ko-KR" altLang="en-US" smtClean="0"/>
-              <a:t>2017-11-22</a:t>
+              <a:t>2017-11-23</a:t>
             </a:fld>
             <a:endParaRPr lang="ko-KR" altLang="en-US"/>
           </a:p>
@@ -5144,7 +5144,7 @@
           <a:p>
             <a:fld id="{A4DDD974-8E76-44BD-B4CC-BDD9F7CC3E8C}" type="datetimeFigureOut">
               <a:rPr lang="ko-KR" altLang="en-US" smtClean="0"/>
-              <a:t>2017-11-22</a:t>
+              <a:t>2017-11-23</a:t>
             </a:fld>
             <a:endParaRPr lang="ko-KR" altLang="en-US"/>
           </a:p>
@@ -5387,7 +5387,7 @@
           <a:p>
             <a:fld id="{A4DDD974-8E76-44BD-B4CC-BDD9F7CC3E8C}" type="datetimeFigureOut">
               <a:rPr lang="ko-KR" altLang="en-US" smtClean="0"/>
-              <a:t>2017-11-22</a:t>
+              <a:t>2017-11-23</a:t>
             </a:fld>
             <a:endParaRPr lang="ko-KR" altLang="en-US"/>
           </a:p>
@@ -6533,7 +6533,7 @@
                 <a:latin typeface="HY견고딕" panose="02030600000101010101" pitchFamily="18" charset="-127"/>
                 <a:ea typeface="HY견고딕" panose="02030600000101010101" pitchFamily="18" charset="-127"/>
               </a:rPr>
-              <a:t>플래시 게임으로 간단한 인터페이스 구성</a:t>
+              <a:t>플래시 게임처럼 간단한 인터페이스 구성</a:t>
             </a:r>
             <a:endParaRPr lang="en-US" altLang="ko-KR" sz="2400" b="1" dirty="0">
               <a:latin typeface="HY견고딕" panose="02030600000101010101" pitchFamily="18" charset="-127"/>
@@ -6874,7 +6874,7 @@
             <p:ph idx="1"/>
             <p:extLst>
               <p:ext uri="{D42A27DB-BD31-4B8C-83A1-F6EECF244321}">
-                <p14:modId xmlns:p14="http://schemas.microsoft.com/office/powerpoint/2010/main" val="3769992146"/>
+                <p14:modId xmlns:p14="http://schemas.microsoft.com/office/powerpoint/2010/main" val="547776654"/>
               </p:ext>
             </p:extLst>
           </p:nvPr>
@@ -6996,7 +6996,7 @@
                     </a:solidFill>
                   </a:tcPr>
                 </a:tc>
-                <a:tc>
+                <a:tc gridSpan="2">
                   <a:txBody>
                     <a:bodyPr/>
                     <a:lstStyle/>
@@ -7018,20 +7018,12 @@
                     </a:solidFill>
                   </a:tcPr>
                 </a:tc>
-                <a:tc>
+                <a:tc hMerge="1">
                   <a:txBody>
                     <a:bodyPr/>
                     <a:lstStyle/>
                     <a:p>
                       <a:pPr algn="ctr" latinLnBrk="1"/>
-                      <a:r>
-                        <a:rPr lang="en-US" altLang="ko-KR" sz="2400" dirty="0">
-                          <a:solidFill>
-                            <a:schemeClr val="tx1"/>
-                          </a:solidFill>
-                        </a:rPr>
-                        <a:t>-</a:t>
-                      </a:r>
                       <a:endParaRPr lang="ko-KR" altLang="en-US" sz="2400" dirty="0">
                         <a:solidFill>
                           <a:schemeClr val="tx1"/>
@@ -7245,7 +7237,23 @@
                             <a:schemeClr val="tx1"/>
                           </a:solidFill>
                         </a:rPr>
-                        <a:t>스테이지가 넘어가면 어려운 구조와  장애물의 속도가 </a:t>
+                        <a:t>스테이지가 </a:t>
+                      </a:r>
+                      <a:r>
+                        <a:rPr lang="ko-KR" altLang="en-US" sz="2400">
+                          <a:solidFill>
+                            <a:schemeClr val="tx1"/>
+                          </a:solidFill>
+                        </a:rPr>
+                        <a:t>넘어가면 복잡한 </a:t>
+                      </a:r>
+                      <a:r>
+                        <a:rPr lang="ko-KR" altLang="en-US" sz="2400" dirty="0">
+                          <a:solidFill>
+                            <a:schemeClr val="tx1"/>
+                          </a:solidFill>
+                        </a:rPr>
+                        <a:t>구조와  장애물의 속도가 </a:t>
                       </a:r>
                       <a:r>
                         <a:rPr lang="ko-KR" altLang="en-US" sz="2400" dirty="0" err="1">
@@ -7503,7 +7511,7 @@
             <p:ph idx="1"/>
             <p:extLst>
               <p:ext uri="{D42A27DB-BD31-4B8C-83A1-F6EECF244321}">
-                <p14:modId xmlns:p14="http://schemas.microsoft.com/office/powerpoint/2010/main" val="1645628671"/>
+                <p14:modId xmlns:p14="http://schemas.microsoft.com/office/powerpoint/2010/main" val="2504256676"/>
               </p:ext>
             </p:extLst>
           </p:nvPr>
@@ -8406,7 +8414,7 @@
                             <a:schemeClr val="tx1"/>
                           </a:solidFill>
                         </a:rPr>
-                        <a:t>랭킹 인터페이스 추가 및 구현  </a:t>
+                        <a:t>랭킹 인터페이스 추가 및 사운드 구현 </a:t>
                       </a:r>
                     </a:p>
                   </a:txBody>
@@ -8439,18 +8447,13 @@
                         <a:defRPr/>
                       </a:pPr>
                       <a:r>
-                        <a:rPr lang="en-US" altLang="ko-KR" sz="2000" dirty="0">
+                        <a:rPr lang="ko-KR" altLang="en-US" sz="2000" dirty="0">
                           <a:solidFill>
                             <a:schemeClr val="tx1"/>
                           </a:solidFill>
                         </a:rPr>
-                        <a:t>40%</a:t>
+                        <a:t>예정</a:t>
                       </a:r>
-                      <a:endParaRPr lang="ko-KR" altLang="en-US" sz="2000" dirty="0">
-                        <a:solidFill>
-                          <a:schemeClr val="tx1"/>
-                        </a:solidFill>
-                      </a:endParaRPr>
                     </a:p>
                   </a:txBody>
                   <a:tcPr marL="90032" marR="90032" anchor="ctr">
